--- a/presentations/3 - NDT with GNN.pptx
+++ b/presentations/3 - NDT with GNN.pptx
@@ -5,10 +5,10 @@
     <p:sldMasterId id="2147483648" r:id="rId4"/>
   </p:sldMasterIdLst>
   <p:notesMasterIdLst>
-    <p:notesMasterId r:id="rId15"/>
+    <p:notesMasterId r:id="rId17"/>
   </p:notesMasterIdLst>
   <p:handoutMasterIdLst>
-    <p:handoutMasterId r:id="rId16"/>
+    <p:handoutMasterId r:id="rId18"/>
   </p:handoutMasterIdLst>
   <p:sldIdLst>
     <p:sldId id="256" r:id="rId5"/>
@@ -20,7 +20,9 @@
     <p:sldId id="354" r:id="rId11"/>
     <p:sldId id="355" r:id="rId12"/>
     <p:sldId id="343" r:id="rId13"/>
-    <p:sldId id="324" r:id="rId14"/>
+    <p:sldId id="358" r:id="rId14"/>
+    <p:sldId id="359" r:id="rId15"/>
+    <p:sldId id="324" r:id="rId16"/>
   </p:sldIdLst>
   <p:sldSz cx="9144000" cy="5143500" type="screen16x9"/>
   <p:notesSz cx="6858000" cy="9144000"/>
@@ -1600,7 +1602,7 @@
           <a:p>
             <a:fld id="{8D72D495-AFBC-D049-9D2A-D4CC16EF0503}" type="datetimeFigureOut">
               <a:rPr lang="en-US" smtClean="0"/>
-              <a:t>9/26/22</a:t>
+              <a:t>9/29/22</a:t>
             </a:fld>
             <a:endParaRPr lang="en-US"/>
           </a:p>
@@ -5894,6 +5896,275 @@
           <a:chExt cx="0" cy="0"/>
         </a:xfrm>
       </p:grpSpPr>
+      <p:sp>
+        <p:nvSpPr>
+          <p:cNvPr id="7" name="Title 6">
+            <a:extLst>
+              <a:ext uri="{FF2B5EF4-FFF2-40B4-BE49-F238E27FC236}">
+                <a16:creationId xmlns:a16="http://schemas.microsoft.com/office/drawing/2014/main" id="{8E01D40C-023F-AD2D-CF94-B81B530CCDB3}"/>
+              </a:ext>
+            </a:extLst>
+          </p:cNvPr>
+          <p:cNvSpPr>
+            <a:spLocks noGrp="1"/>
+          </p:cNvSpPr>
+          <p:nvPr>
+            <p:ph type="title"/>
+          </p:nvPr>
+        </p:nvSpPr>
+        <p:spPr/>
+        <p:txBody>
+          <a:bodyPr/>
+          <a:lstStyle/>
+          <a:p>
+            <a:r>
+              <a:rPr lang="en-US" dirty="0"/>
+              <a:t>Hands – On </a:t>
+            </a:r>
+          </a:p>
+        </p:txBody>
+      </p:sp>
+      <p:sp>
+        <p:nvSpPr>
+          <p:cNvPr id="4" name="Slide Number Placeholder 3">
+            <a:extLst>
+              <a:ext uri="{FF2B5EF4-FFF2-40B4-BE49-F238E27FC236}">
+                <a16:creationId xmlns:a16="http://schemas.microsoft.com/office/drawing/2014/main" id="{0A1B5C1E-BE4B-BE49-C67C-C44AEE44FCAE}"/>
+              </a:ext>
+            </a:extLst>
+          </p:cNvPr>
+          <p:cNvSpPr>
+            <a:spLocks noGrp="1"/>
+          </p:cNvSpPr>
+          <p:nvPr>
+            <p:ph type="sldNum" sz="quarter" idx="4294967295"/>
+          </p:nvPr>
+        </p:nvSpPr>
+        <p:spPr>
+          <a:xfrm>
+            <a:off x="0" y="4894263"/>
+            <a:ext cx="863600" cy="168275"/>
+          </a:xfrm>
+        </p:spPr>
+        <p:txBody>
+          <a:bodyPr/>
+          <a:lstStyle/>
+          <a:p>
+            <a:fld id="{8836216C-5BC3-7C44-80F8-E30864FFC228}" type="slidenum">
+              <a:rPr lang="en-US" smtClean="0"/>
+              <a:t>10</a:t>
+            </a:fld>
+            <a:endParaRPr lang="en-US"/>
+          </a:p>
+        </p:txBody>
+      </p:sp>
+    </p:spTree>
+    <p:extLst>
+      <p:ext uri="{BB962C8B-B14F-4D97-AF65-F5344CB8AC3E}">
+        <p14:creationId xmlns:p14="http://schemas.microsoft.com/office/powerpoint/2010/main" val="3549441139"/>
+      </p:ext>
+    </p:extLst>
+  </p:cSld>
+  <p:clrMapOvr>
+    <a:masterClrMapping/>
+  </p:clrMapOvr>
+  <mc:AlternateContent xmlns:mc="http://schemas.openxmlformats.org/markup-compatibility/2006" xmlns:p14="http://schemas.microsoft.com/office/powerpoint/2010/main">
+    <mc:Choice Requires="p14">
+      <p:transition spd="med" p14:dur="700">
+        <p:fade/>
+      </p:transition>
+    </mc:Choice>
+    <mc:Fallback xmlns="">
+      <p:transition spd="med">
+        <p:fade/>
+      </p:transition>
+    </mc:Fallback>
+  </mc:AlternateContent>
+</p:sld>
+</file>
+
+<file path=ppt/slides/slide11.xml><?xml version="1.0" encoding="utf-8"?>
+<p:sld xmlns:a="http://schemas.openxmlformats.org/drawingml/2006/main" xmlns:r="http://schemas.openxmlformats.org/officeDocument/2006/relationships" xmlns:p="http://schemas.openxmlformats.org/presentationml/2006/main">
+  <p:cSld>
+    <p:spTree>
+      <p:nvGrpSpPr>
+        <p:cNvPr id="1" name=""/>
+        <p:cNvGrpSpPr/>
+        <p:nvPr/>
+      </p:nvGrpSpPr>
+      <p:grpSpPr>
+        <a:xfrm>
+          <a:off x="0" y="0"/>
+          <a:ext cx="0" cy="0"/>
+          <a:chOff x="0" y="0"/>
+          <a:chExt cx="0" cy="0"/>
+        </a:xfrm>
+      </p:grpSpPr>
+      <p:sp>
+        <p:nvSpPr>
+          <p:cNvPr id="3" name="Title 2">
+            <a:extLst>
+              <a:ext uri="{FF2B5EF4-FFF2-40B4-BE49-F238E27FC236}">
+                <a16:creationId xmlns:a16="http://schemas.microsoft.com/office/drawing/2014/main" id="{5FFA8194-A6BE-05AE-7028-ED37C3C9DA63}"/>
+              </a:ext>
+            </a:extLst>
+          </p:cNvPr>
+          <p:cNvSpPr>
+            <a:spLocks noGrp="1"/>
+          </p:cNvSpPr>
+          <p:nvPr>
+            <p:ph type="title"/>
+          </p:nvPr>
+        </p:nvSpPr>
+        <p:spPr/>
+        <p:txBody>
+          <a:bodyPr/>
+          <a:lstStyle/>
+          <a:p>
+            <a:r>
+              <a:rPr lang="en-US" dirty="0"/>
+              <a:t>Link</a:t>
+            </a:r>
+          </a:p>
+        </p:txBody>
+      </p:sp>
+      <p:sp>
+        <p:nvSpPr>
+          <p:cNvPr id="4" name="Text Placeholder 3">
+            <a:extLst>
+              <a:ext uri="{FF2B5EF4-FFF2-40B4-BE49-F238E27FC236}">
+                <a16:creationId xmlns:a16="http://schemas.microsoft.com/office/drawing/2014/main" id="{50E06EB7-8965-5086-A5C0-51329FFF32DB}"/>
+              </a:ext>
+            </a:extLst>
+          </p:cNvPr>
+          <p:cNvSpPr>
+            <a:spLocks noGrp="1"/>
+          </p:cNvSpPr>
+          <p:nvPr>
+            <p:ph type="body" sz="quarter" idx="14"/>
+          </p:nvPr>
+        </p:nvSpPr>
+        <p:spPr/>
+        <p:txBody>
+          <a:bodyPr/>
+          <a:lstStyle/>
+          <a:p>
+            <a:endParaRPr lang="en-US"/>
+          </a:p>
+        </p:txBody>
+      </p:sp>
+      <p:pic>
+        <p:nvPicPr>
+          <p:cNvPr id="6" name="Picture 5" descr="Scatter chart, qr code&#10;&#10;Description automatically generated">
+            <a:extLst>
+              <a:ext uri="{FF2B5EF4-FFF2-40B4-BE49-F238E27FC236}">
+                <a16:creationId xmlns:a16="http://schemas.microsoft.com/office/drawing/2014/main" id="{2D42921F-D67A-B493-0E16-441917A88FA5}"/>
+              </a:ext>
+            </a:extLst>
+          </p:cNvPr>
+          <p:cNvPicPr>
+            <a:picLocks noChangeAspect="1"/>
+          </p:cNvPicPr>
+          <p:nvPr/>
+        </p:nvPicPr>
+        <p:blipFill>
+          <a:blip r:embed="rId2"/>
+          <a:stretch>
+            <a:fillRect/>
+          </a:stretch>
+        </p:blipFill>
+        <p:spPr>
+          <a:xfrm>
+            <a:off x="853440" y="1478428"/>
+            <a:ext cx="2678400" cy="2678400"/>
+          </a:xfrm>
+          <a:prstGeom prst="rect">
+            <a:avLst/>
+          </a:prstGeom>
+        </p:spPr>
+      </p:pic>
+      <p:sp>
+        <p:nvSpPr>
+          <p:cNvPr id="7" name="TextBox 6">
+            <a:extLst>
+              <a:ext uri="{FF2B5EF4-FFF2-40B4-BE49-F238E27FC236}">
+                <a16:creationId xmlns:a16="http://schemas.microsoft.com/office/drawing/2014/main" id="{C0ED7E37-712C-4C25-A300-9A97C3AC40D2}"/>
+              </a:ext>
+            </a:extLst>
+          </p:cNvPr>
+          <p:cNvSpPr txBox="1"/>
+          <p:nvPr/>
+        </p:nvSpPr>
+        <p:spPr>
+          <a:xfrm>
+            <a:off x="3950506" y="2610304"/>
+            <a:ext cx="3628854" cy="584775"/>
+          </a:xfrm>
+          <a:prstGeom prst="rect">
+            <a:avLst/>
+          </a:prstGeom>
+          <a:noFill/>
+        </p:spPr>
+        <p:txBody>
+          <a:bodyPr wrap="square" rtlCol="0">
+            <a:spAutoFit/>
+          </a:bodyPr>
+          <a:lstStyle/>
+          <a:p>
+            <a:pPr algn="ctr"/>
+            <a:r>
+              <a:rPr lang="en-US" sz="1600" dirty="0">
+                <a:solidFill>
+                  <a:schemeClr val="accent3"/>
+                </a:solidFill>
+              </a:rPr>
+              <a:t>Notebook: Building an NDT for next-generation WLANs using GNNs</a:t>
+            </a:r>
+          </a:p>
+        </p:txBody>
+      </p:sp>
+    </p:spTree>
+    <p:extLst>
+      <p:ext uri="{BB962C8B-B14F-4D97-AF65-F5344CB8AC3E}">
+        <p14:creationId xmlns:p14="http://schemas.microsoft.com/office/powerpoint/2010/main" val="3764134888"/>
+      </p:ext>
+    </p:extLst>
+  </p:cSld>
+  <p:clrMapOvr>
+    <a:masterClrMapping/>
+  </p:clrMapOvr>
+  <mc:AlternateContent xmlns:mc="http://schemas.openxmlformats.org/markup-compatibility/2006" xmlns:p14="http://schemas.microsoft.com/office/powerpoint/2010/main">
+    <mc:Choice Requires="p14">
+      <p:transition spd="med" p14:dur="700">
+        <p:fade/>
+      </p:transition>
+    </mc:Choice>
+    <mc:Fallback xmlns="">
+      <p:transition spd="med">
+        <p:fade/>
+      </p:transition>
+    </mc:Fallback>
+  </mc:AlternateContent>
+</p:sld>
+</file>
+
+<file path=ppt/slides/slide12.xml><?xml version="1.0" encoding="utf-8"?>
+<p:sld xmlns:a="http://schemas.openxmlformats.org/drawingml/2006/main" xmlns:r="http://schemas.openxmlformats.org/officeDocument/2006/relationships" xmlns:p="http://schemas.openxmlformats.org/presentationml/2006/main">
+  <p:cSld>
+    <p:spTree>
+      <p:nvGrpSpPr>
+        <p:cNvPr id="1" name=""/>
+        <p:cNvGrpSpPr/>
+        <p:nvPr/>
+      </p:nvGrpSpPr>
+      <p:grpSpPr>
+        <a:xfrm>
+          <a:off x="0" y="0"/>
+          <a:ext cx="0" cy="0"/>
+          <a:chOff x="0" y="0"/>
+          <a:chExt cx="0" cy="0"/>
+        </a:xfrm>
+      </p:grpSpPr>
     </p:spTree>
     <p:extLst>
       <p:ext uri="{BB962C8B-B14F-4D97-AF65-F5344CB8AC3E}">
@@ -6880,13 +7151,13 @@
   <p:clrMapOvr>
     <a:masterClrMapping/>
   </p:clrMapOvr>
-  <mc:AlternateContent xmlns:mc="http://schemas.openxmlformats.org/markup-compatibility/2006">
-    <mc:Choice xmlns:p14="http://schemas.microsoft.com/office/powerpoint/2010/main" Requires="p14">
+  <mc:AlternateContent xmlns:mc="http://schemas.openxmlformats.org/markup-compatibility/2006" xmlns:p14="http://schemas.microsoft.com/office/powerpoint/2010/main">
+    <mc:Choice Requires="p14">
       <p:transition spd="med" p14:dur="700">
         <p:fade/>
       </p:transition>
     </mc:Choice>
-    <mc:Fallback>
+    <mc:Fallback xmlns="">
       <p:transition spd="med">
         <p:fade/>
       </p:transition>
@@ -7480,13 +7751,13 @@
   <p:clrMapOvr>
     <a:masterClrMapping/>
   </p:clrMapOvr>
-  <mc:AlternateContent xmlns:mc="http://schemas.openxmlformats.org/markup-compatibility/2006">
-    <mc:Choice xmlns:p14="http://schemas.microsoft.com/office/powerpoint/2010/main" Requires="p14">
+  <mc:AlternateContent xmlns:mc="http://schemas.openxmlformats.org/markup-compatibility/2006" xmlns:p14="http://schemas.microsoft.com/office/powerpoint/2010/main">
+    <mc:Choice Requires="p14">
       <p:transition spd="med" p14:dur="700">
         <p:fade/>
       </p:transition>
     </mc:Choice>
-    <mc:Fallback>
+    <mc:Fallback xmlns="">
       <p:transition spd="med">
         <p:fade/>
       </p:transition>
@@ -14311,6 +14582,25 @@
 </file>
 
 <file path=customXml/item1.xml><?xml version="1.0" encoding="utf-8"?>
+<?mso-contentType ?>
+<FormTemplates xmlns="http://schemas.microsoft.com/sharepoint/v3/contenttype/forms">
+  <Display>DocumentLibraryForm</Display>
+  <Edit>DocumentLibraryForm</Edit>
+  <New>DocumentLibraryForm</New>
+</FormTemplates>
+</file>
+
+<file path=customXml/item2.xml><?xml version="1.0" encoding="utf-8"?>
+<p:properties xmlns:p="http://schemas.microsoft.com/office/2006/metadata/properties" xmlns:xsi="http://www.w3.org/2001/XMLSchema-instance" xmlns:pc="http://schemas.microsoft.com/office/infopath/2007/PartnerControls">
+  <documentManagement>
+    <lcf76f155ced4ddcb4097134ff3c332f xmlns="1ae8e308-f195-485b-843d-38b3f4872eec">
+      <Terms xmlns="http://schemas.microsoft.com/office/infopath/2007/PartnerControls"/>
+    </lcf76f155ced4ddcb4097134ff3c332f>
+  </documentManagement>
+</p:properties>
+</file>
+
+<file path=customXml/item3.xml><?xml version="1.0" encoding="utf-8"?>
 <ct:contentTypeSchema xmlns:ct="http://schemas.microsoft.com/office/2006/metadata/contentType" xmlns:ma="http://schemas.microsoft.com/office/2006/metadata/properties/metaAttributes" ct:_="" ma:_="" ma:contentTypeName="Document" ma:contentTypeID="0x0101004B34FFE733698A4DACBCE673B1F66843" ma:contentTypeVersion="6" ma:contentTypeDescription="Create a new document." ma:contentTypeScope="" ma:versionID="045c1e6a27a0e7e518893108de6a0e28">
   <xsd:schema xmlns:xsd="http://www.w3.org/2001/XMLSchema" xmlns:xs="http://www.w3.org/2001/XMLSchema" xmlns:p="http://schemas.microsoft.com/office/2006/metadata/properties" xmlns:ns2="1ae8e308-f195-485b-843d-38b3f4872eec" targetNamespace="http://schemas.microsoft.com/office/2006/metadata/properties" ma:root="true" ma:fieldsID="fea49dab658822f8f5cf4b6b5695d867" ns2:_="">
     <xsd:import namespace="1ae8e308-f195-485b-843d-38b3f4872eec"/>
@@ -14462,39 +14752,10 @@
 </ct:contentTypeSchema>
 </file>
 
-<file path=customXml/item2.xml><?xml version="1.0" encoding="utf-8"?>
-<p:properties xmlns:p="http://schemas.microsoft.com/office/2006/metadata/properties" xmlns:xsi="http://www.w3.org/2001/XMLSchema-instance" xmlns:pc="http://schemas.microsoft.com/office/infopath/2007/PartnerControls">
-  <documentManagement>
-    <lcf76f155ced4ddcb4097134ff3c332f xmlns="1ae8e308-f195-485b-843d-38b3f4872eec">
-      <Terms xmlns="http://schemas.microsoft.com/office/infopath/2007/PartnerControls"/>
-    </lcf76f155ced4ddcb4097134ff3c332f>
-  </documentManagement>
-</p:properties>
-</file>
-
-<file path=customXml/item3.xml><?xml version="1.0" encoding="utf-8"?>
-<?mso-contentType ?>
-<FormTemplates xmlns="http://schemas.microsoft.com/sharepoint/v3/contenttype/forms">
-  <Display>DocumentLibraryForm</Display>
-  <Edit>DocumentLibraryForm</Edit>
-  <New>DocumentLibraryForm</New>
-</FormTemplates>
-</file>
-
 <file path=customXml/itemProps1.xml><?xml version="1.0" encoding="utf-8"?>
-<ds:datastoreItem xmlns:ds="http://schemas.openxmlformats.org/officeDocument/2006/customXml" ds:itemID="{EDA6408C-4518-4BAC-84EF-1F21ECFFBEB2}">
+<ds:datastoreItem xmlns:ds="http://schemas.openxmlformats.org/officeDocument/2006/customXml" ds:itemID="{C9379F3E-4F80-4C66-958F-8E1DE79415EB}">
   <ds:schemaRefs>
-    <ds:schemaRef ds:uri="http://schemas.microsoft.com/office/2006/metadata/contentType"/>
-    <ds:schemaRef ds:uri="http://schemas.microsoft.com/office/2006/metadata/properties/metaAttributes"/>
-    <ds:schemaRef ds:uri="http://www.w3.org/2001/XMLSchema"/>
-    <ds:schemaRef ds:uri="http://schemas.microsoft.com/office/2006/metadata/properties"/>
-    <ds:schemaRef ds:uri="1ae8e308-f195-485b-843d-38b3f4872eec"/>
-    <ds:schemaRef ds:uri="http://schemas.microsoft.com/office/2006/documentManagement/types"/>
-    <ds:schemaRef ds:uri="http://schemas.microsoft.com/office/infopath/2007/PartnerControls"/>
-    <ds:schemaRef ds:uri="http://schemas.openxmlformats.org/package/2006/metadata/core-properties"/>
-    <ds:schemaRef ds:uri="http://purl.org/dc/elements/1.1/"/>
-    <ds:schemaRef ds:uri="http://purl.org/dc/terms/"/>
-    <ds:schemaRef ds:uri="http://schemas.microsoft.com/internal/obd"/>
+    <ds:schemaRef ds:uri="http://schemas.microsoft.com/sharepoint/v3/contenttype/forms"/>
   </ds:schemaRefs>
 </ds:datastoreItem>
 </file>
@@ -14516,9 +14777,19 @@
 </file>
 
 <file path=customXml/itemProps3.xml><?xml version="1.0" encoding="utf-8"?>
-<ds:datastoreItem xmlns:ds="http://schemas.openxmlformats.org/officeDocument/2006/customXml" ds:itemID="{C9379F3E-4F80-4C66-958F-8E1DE79415EB}">
+<ds:datastoreItem xmlns:ds="http://schemas.openxmlformats.org/officeDocument/2006/customXml" ds:itemID="{EDA6408C-4518-4BAC-84EF-1F21ECFFBEB2}">
   <ds:schemaRefs>
-    <ds:schemaRef ds:uri="http://schemas.microsoft.com/sharepoint/v3/contenttype/forms"/>
+    <ds:schemaRef ds:uri="http://schemas.microsoft.com/office/2006/metadata/contentType"/>
+    <ds:schemaRef ds:uri="http://schemas.microsoft.com/office/2006/metadata/properties/metaAttributes"/>
+    <ds:schemaRef ds:uri="http://www.w3.org/2001/XMLSchema"/>
+    <ds:schemaRef ds:uri="http://schemas.microsoft.com/office/2006/metadata/properties"/>
+    <ds:schemaRef ds:uri="1ae8e308-f195-485b-843d-38b3f4872eec"/>
+    <ds:schemaRef ds:uri="http://schemas.microsoft.com/office/2006/documentManagement/types"/>
+    <ds:schemaRef ds:uri="http://schemas.microsoft.com/office/infopath/2007/PartnerControls"/>
+    <ds:schemaRef ds:uri="http://schemas.openxmlformats.org/package/2006/metadata/core-properties"/>
+    <ds:schemaRef ds:uri="http://purl.org/dc/elements/1.1/"/>
+    <ds:schemaRef ds:uri="http://purl.org/dc/terms/"/>
+    <ds:schemaRef ds:uri="http://schemas.microsoft.com/internal/obd"/>
   </ds:schemaRefs>
 </ds:datastoreItem>
 </file>